--- a/figs/automata.pptx
+++ b/figs/automata.pptx
@@ -104,6 +104,11 @@
       </a:defRPr>
     </a:lvl9pPr>
   </p:defaultTextStyle>
+  <p:extLst>
+    <p:ext uri="{EFAFB233-063F-42B5-8137-9DF3F51BA10A}">
+      <p15:sldGuideLst xmlns:p15="http://schemas.microsoft.com/office/powerpoint/2012/main"/>
+    </p:ext>
+  </p:extLst>
 </p:presentation>
 </file>
 
@@ -238,7 +243,7 @@
           <a:p>
             <a:fld id="{FC72504F-AAA4-46B0-9333-14FE5AFCDE85}" type="datetimeFigureOut">
               <a:rPr lang="en-US" smtClean="0"/>
-              <a:t>10/23/2015</a:t>
+              <a:t>11/30/2015</a:t>
             </a:fld>
             <a:endParaRPr lang="en-US"/>
           </a:p>
@@ -408,7 +413,7 @@
           <a:p>
             <a:fld id="{FC72504F-AAA4-46B0-9333-14FE5AFCDE85}" type="datetimeFigureOut">
               <a:rPr lang="en-US" smtClean="0"/>
-              <a:t>10/23/2015</a:t>
+              <a:t>11/30/2015</a:t>
             </a:fld>
             <a:endParaRPr lang="en-US"/>
           </a:p>
@@ -588,7 +593,7 @@
           <a:p>
             <a:fld id="{FC72504F-AAA4-46B0-9333-14FE5AFCDE85}" type="datetimeFigureOut">
               <a:rPr lang="en-US" smtClean="0"/>
-              <a:t>10/23/2015</a:t>
+              <a:t>11/30/2015</a:t>
             </a:fld>
             <a:endParaRPr lang="en-US"/>
           </a:p>
@@ -758,7 +763,7 @@
           <a:p>
             <a:fld id="{FC72504F-AAA4-46B0-9333-14FE5AFCDE85}" type="datetimeFigureOut">
               <a:rPr lang="en-US" smtClean="0"/>
-              <a:t>10/23/2015</a:t>
+              <a:t>11/30/2015</a:t>
             </a:fld>
             <a:endParaRPr lang="en-US"/>
           </a:p>
@@ -1004,7 +1009,7 @@
           <a:p>
             <a:fld id="{FC72504F-AAA4-46B0-9333-14FE5AFCDE85}" type="datetimeFigureOut">
               <a:rPr lang="en-US" smtClean="0"/>
-              <a:t>10/23/2015</a:t>
+              <a:t>11/30/2015</a:t>
             </a:fld>
             <a:endParaRPr lang="en-US"/>
           </a:p>
@@ -1236,7 +1241,7 @@
           <a:p>
             <a:fld id="{FC72504F-AAA4-46B0-9333-14FE5AFCDE85}" type="datetimeFigureOut">
               <a:rPr lang="en-US" smtClean="0"/>
-              <a:t>10/23/2015</a:t>
+              <a:t>11/30/2015</a:t>
             </a:fld>
             <a:endParaRPr lang="en-US"/>
           </a:p>
@@ -1603,7 +1608,7 @@
           <a:p>
             <a:fld id="{FC72504F-AAA4-46B0-9333-14FE5AFCDE85}" type="datetimeFigureOut">
               <a:rPr lang="en-US" smtClean="0"/>
-              <a:t>10/23/2015</a:t>
+              <a:t>11/30/2015</a:t>
             </a:fld>
             <a:endParaRPr lang="en-US"/>
           </a:p>
@@ -1721,7 +1726,7 @@
           <a:p>
             <a:fld id="{FC72504F-AAA4-46B0-9333-14FE5AFCDE85}" type="datetimeFigureOut">
               <a:rPr lang="en-US" smtClean="0"/>
-              <a:t>10/23/2015</a:t>
+              <a:t>11/30/2015</a:t>
             </a:fld>
             <a:endParaRPr lang="en-US"/>
           </a:p>
@@ -1816,7 +1821,7 @@
           <a:p>
             <a:fld id="{FC72504F-AAA4-46B0-9333-14FE5AFCDE85}" type="datetimeFigureOut">
               <a:rPr lang="en-US" smtClean="0"/>
-              <a:t>10/23/2015</a:t>
+              <a:t>11/30/2015</a:t>
             </a:fld>
             <a:endParaRPr lang="en-US"/>
           </a:p>
@@ -2093,7 +2098,7 @@
           <a:p>
             <a:fld id="{FC72504F-AAA4-46B0-9333-14FE5AFCDE85}" type="datetimeFigureOut">
               <a:rPr lang="en-US" smtClean="0"/>
-              <a:t>10/23/2015</a:t>
+              <a:t>11/30/2015</a:t>
             </a:fld>
             <a:endParaRPr lang="en-US"/>
           </a:p>
@@ -2346,7 +2351,7 @@
           <a:p>
             <a:fld id="{FC72504F-AAA4-46B0-9333-14FE5AFCDE85}" type="datetimeFigureOut">
               <a:rPr lang="en-US" smtClean="0"/>
-              <a:t>10/23/2015</a:t>
+              <a:t>11/30/2015</a:t>
             </a:fld>
             <a:endParaRPr lang="en-US"/>
           </a:p>
@@ -2559,7 +2564,7 @@
           <a:p>
             <a:fld id="{FC72504F-AAA4-46B0-9333-14FE5AFCDE85}" type="datetimeFigureOut">
               <a:rPr lang="en-US" smtClean="0"/>
-              <a:t>10/23/2015</a:t>
+              <a:t>11/30/2015</a:t>
             </a:fld>
             <a:endParaRPr lang="en-US"/>
           </a:p>
@@ -2986,7 +2991,7 @@
         </p:blipFill>
         <p:spPr>
           <a:xfrm>
-            <a:off x="494522" y="2971388"/>
+            <a:off x="485191" y="466324"/>
             <a:ext cx="2973888" cy="2312377"/>
           </a:xfrm>
           <a:prstGeom prst="rect">
@@ -3016,7 +3021,7 @@
         </p:blipFill>
         <p:spPr>
           <a:xfrm>
-            <a:off x="3629606" y="2971388"/>
+            <a:off x="3620275" y="466324"/>
             <a:ext cx="3044211" cy="2434243"/>
           </a:xfrm>
           <a:prstGeom prst="rect">
@@ -3046,7 +3051,7 @@
         </p:blipFill>
         <p:spPr>
           <a:xfrm>
-            <a:off x="6835013" y="2900567"/>
+            <a:off x="4119805" y="3404420"/>
             <a:ext cx="2091895" cy="2383198"/>
           </a:xfrm>
           <a:prstGeom prst="rect">
@@ -3062,7 +3067,7 @@
         </p:nvSpPr>
         <p:spPr>
           <a:xfrm>
-            <a:off x="1545128" y="5405631"/>
+            <a:off x="1535797" y="2900567"/>
             <a:ext cx="436338" cy="369332"/>
           </a:xfrm>
           <a:prstGeom prst="rect">
@@ -3092,7 +3097,7 @@
         </p:nvSpPr>
         <p:spPr>
           <a:xfrm>
-            <a:off x="4933542" y="5405631"/>
+            <a:off x="4924211" y="2900567"/>
             <a:ext cx="447558" cy="369332"/>
           </a:xfrm>
           <a:prstGeom prst="rect">
@@ -3122,8 +3127,68 @@
         </p:nvSpPr>
         <p:spPr>
           <a:xfrm>
-            <a:off x="7662791" y="5405631"/>
-            <a:ext cx="436338" cy="369332"/>
+            <a:off x="4918601" y="5922139"/>
+            <a:ext cx="447558" cy="369332"/>
+          </a:xfrm>
+          <a:prstGeom prst="rect">
+            <a:avLst/>
+          </a:prstGeom>
+          <a:noFill/>
+        </p:spPr>
+        <p:txBody>
+          <a:bodyPr wrap="none" rtlCol="0">
+            <a:spAutoFit/>
+          </a:bodyPr>
+          <a:lstStyle/>
+          <a:p>
+            <a:r>
+              <a:rPr lang="en-US" dirty="0" smtClean="0"/>
+              <a:t>(d)</a:t>
+            </a:r>
+            <a:endParaRPr lang="en-US" dirty="0"/>
+          </a:p>
+        </p:txBody>
+      </p:sp>
+      <p:pic>
+        <p:nvPicPr>
+          <p:cNvPr id="10" name="Picture 6"/>
+          <p:cNvPicPr>
+            <a:picLocks noChangeAspect="1"/>
+          </p:cNvPicPr>
+          <p:nvPr/>
+        </p:nvPicPr>
+        <p:blipFill>
+          <a:blip r:embed="rId5">
+            <a:extLst>
+              <a:ext uri="{28A0092B-C50C-407E-A947-70E740481C1C}">
+                <a14:useLocalDpi xmlns:a14="http://schemas.microsoft.com/office/drawing/2010/main" val="0"/>
+              </a:ext>
+            </a:extLst>
+          </a:blip>
+          <a:stretch>
+            <a:fillRect/>
+          </a:stretch>
+        </p:blipFill>
+        <p:spPr>
+          <a:xfrm>
+            <a:off x="877199" y="3391765"/>
+            <a:ext cx="1928609" cy="2118932"/>
+          </a:xfrm>
+          <a:prstGeom prst="rect">
+            <a:avLst/>
+          </a:prstGeom>
+        </p:spPr>
+      </p:pic>
+      <p:sp>
+        <p:nvSpPr>
+          <p:cNvPr id="11" name="文本框 10"/>
+          <p:cNvSpPr txBox="1"/>
+          <p:nvPr/>
+        </p:nvSpPr>
+        <p:spPr>
+          <a:xfrm>
+            <a:off x="1535797" y="5922139"/>
+            <a:ext cx="423514" cy="369332"/>
           </a:xfrm>
           <a:prstGeom prst="rect">
             <a:avLst/>
